--- a/Figures/manually_created_plots/manually_created_figures.pptx
+++ b/Figures/manually_created_plots/manually_created_figures.pptx
@@ -201,7 +201,7 @@
           <a:p>
             <a:fld id="{3D79C78D-BEE0-3E48-B401-2B1A9A747922}" type="datetimeFigureOut">
               <a:rPr lang="en-US" smtClean="0"/>
-              <a:t>9/12/22</a:t>
+              <a:t>10/21/22</a:t>
             </a:fld>
             <a:endParaRPr lang="en-US"/>
           </a:p>
@@ -773,7 +773,7 @@
           <a:p>
             <a:fld id="{020234D1-918D-A04F-ADE0-AF041D21BD3B}" type="datetimeFigureOut">
               <a:rPr lang="en-US" smtClean="0"/>
-              <a:t>9/12/22</a:t>
+              <a:t>10/21/22</a:t>
             </a:fld>
             <a:endParaRPr lang="en-US"/>
           </a:p>
@@ -943,7 +943,7 @@
           <a:p>
             <a:fld id="{020234D1-918D-A04F-ADE0-AF041D21BD3B}" type="datetimeFigureOut">
               <a:rPr lang="en-US" smtClean="0"/>
-              <a:t>9/12/22</a:t>
+              <a:t>10/21/22</a:t>
             </a:fld>
             <a:endParaRPr lang="en-US"/>
           </a:p>
@@ -1123,7 +1123,7 @@
           <a:p>
             <a:fld id="{020234D1-918D-A04F-ADE0-AF041D21BD3B}" type="datetimeFigureOut">
               <a:rPr lang="en-US" smtClean="0"/>
-              <a:t>9/12/22</a:t>
+              <a:t>10/21/22</a:t>
             </a:fld>
             <a:endParaRPr lang="en-US"/>
           </a:p>
@@ -1293,7 +1293,7 @@
           <a:p>
             <a:fld id="{020234D1-918D-A04F-ADE0-AF041D21BD3B}" type="datetimeFigureOut">
               <a:rPr lang="en-US" smtClean="0"/>
-              <a:t>9/12/22</a:t>
+              <a:t>10/21/22</a:t>
             </a:fld>
             <a:endParaRPr lang="en-US"/>
           </a:p>
@@ -1539,7 +1539,7 @@
           <a:p>
             <a:fld id="{020234D1-918D-A04F-ADE0-AF041D21BD3B}" type="datetimeFigureOut">
               <a:rPr lang="en-US" smtClean="0"/>
-              <a:t>9/12/22</a:t>
+              <a:t>10/21/22</a:t>
             </a:fld>
             <a:endParaRPr lang="en-US"/>
           </a:p>
@@ -1771,7 +1771,7 @@
           <a:p>
             <a:fld id="{020234D1-918D-A04F-ADE0-AF041D21BD3B}" type="datetimeFigureOut">
               <a:rPr lang="en-US" smtClean="0"/>
-              <a:t>9/12/22</a:t>
+              <a:t>10/21/22</a:t>
             </a:fld>
             <a:endParaRPr lang="en-US"/>
           </a:p>
@@ -2138,7 +2138,7 @@
           <a:p>
             <a:fld id="{020234D1-918D-A04F-ADE0-AF041D21BD3B}" type="datetimeFigureOut">
               <a:rPr lang="en-US" smtClean="0"/>
-              <a:t>9/12/22</a:t>
+              <a:t>10/21/22</a:t>
             </a:fld>
             <a:endParaRPr lang="en-US"/>
           </a:p>
@@ -2256,7 +2256,7 @@
           <a:p>
             <a:fld id="{020234D1-918D-A04F-ADE0-AF041D21BD3B}" type="datetimeFigureOut">
               <a:rPr lang="en-US" smtClean="0"/>
-              <a:t>9/12/22</a:t>
+              <a:t>10/21/22</a:t>
             </a:fld>
             <a:endParaRPr lang="en-US"/>
           </a:p>
@@ -2351,7 +2351,7 @@
           <a:p>
             <a:fld id="{020234D1-918D-A04F-ADE0-AF041D21BD3B}" type="datetimeFigureOut">
               <a:rPr lang="en-US" smtClean="0"/>
-              <a:t>9/12/22</a:t>
+              <a:t>10/21/22</a:t>
             </a:fld>
             <a:endParaRPr lang="en-US"/>
           </a:p>
@@ -2628,7 +2628,7 @@
           <a:p>
             <a:fld id="{020234D1-918D-A04F-ADE0-AF041D21BD3B}" type="datetimeFigureOut">
               <a:rPr lang="en-US" smtClean="0"/>
-              <a:t>9/12/22</a:t>
+              <a:t>10/21/22</a:t>
             </a:fld>
             <a:endParaRPr lang="en-US"/>
           </a:p>
@@ -2885,7 +2885,7 @@
           <a:p>
             <a:fld id="{020234D1-918D-A04F-ADE0-AF041D21BD3B}" type="datetimeFigureOut">
               <a:rPr lang="en-US" smtClean="0"/>
-              <a:t>9/12/22</a:t>
+              <a:t>10/21/22</a:t>
             </a:fld>
             <a:endParaRPr lang="en-US"/>
           </a:p>
@@ -3098,7 +3098,7 @@
           <a:p>
             <a:fld id="{020234D1-918D-A04F-ADE0-AF041D21BD3B}" type="datetimeFigureOut">
               <a:rPr lang="en-US" smtClean="0"/>
-              <a:t>9/12/22</a:t>
+              <a:t>10/21/22</a:t>
             </a:fld>
             <a:endParaRPr lang="en-US"/>
           </a:p>
@@ -4053,16 +4053,15 @@
           </p:cNvPicPr>
           <p:nvPr/>
         </p:nvPicPr>
-        <p:blipFill>
+        <p:blipFill rotWithShape="1">
           <a:blip r:embed="rId3"/>
-          <a:stretch>
-            <a:fillRect/>
-          </a:stretch>
+          <a:srcRect b="83479"/>
+          <a:stretch/>
         </p:blipFill>
         <p:spPr>
           <a:xfrm rot="16200000">
-            <a:off x="7552148" y="6192542"/>
-            <a:ext cx="2510437" cy="2101887"/>
+            <a:off x="6674826" y="7069864"/>
+            <a:ext cx="2510437" cy="347242"/>
           </a:xfrm>
           <a:prstGeom prst="rect">
             <a:avLst/>
@@ -4083,16 +4082,15 @@
           </p:cNvPicPr>
           <p:nvPr/>
         </p:nvPicPr>
-        <p:blipFill>
+        <p:blipFill rotWithShape="1">
           <a:blip r:embed="rId4"/>
-          <a:stretch>
-            <a:fillRect/>
-          </a:stretch>
+          <a:srcRect b="84223"/>
+          <a:stretch/>
         </p:blipFill>
         <p:spPr>
           <a:xfrm rot="16200000">
-            <a:off x="9970148" y="6143019"/>
-            <a:ext cx="2510437" cy="2200931"/>
+            <a:off x="8921651" y="7087125"/>
+            <a:ext cx="2510437" cy="347243"/>
           </a:xfrm>
           <a:prstGeom prst="rect">
             <a:avLst/>
@@ -4113,16 +4111,15 @@
           </p:cNvPicPr>
           <p:nvPr/>
         </p:nvPicPr>
-        <p:blipFill>
+        <p:blipFill rotWithShape="1">
           <a:blip r:embed="rId5"/>
-          <a:stretch>
-            <a:fillRect/>
-          </a:stretch>
+          <a:srcRect b="83705"/>
+          <a:stretch/>
         </p:blipFill>
         <p:spPr>
           <a:xfrm rot="16200000">
-            <a:off x="7576152" y="3303787"/>
-            <a:ext cx="2491520" cy="2130976"/>
+            <a:off x="6684285" y="4195654"/>
+            <a:ext cx="2491520" cy="347242"/>
           </a:xfrm>
           <a:prstGeom prst="rect">
             <a:avLst/>
@@ -4143,16 +4140,15 @@
           </p:cNvPicPr>
           <p:nvPr/>
         </p:nvPicPr>
-        <p:blipFill>
+        <p:blipFill rotWithShape="1">
           <a:blip r:embed="rId6"/>
-          <a:stretch>
-            <a:fillRect/>
-          </a:stretch>
+          <a:srcRect r="6196" b="83705"/>
+          <a:stretch/>
         </p:blipFill>
         <p:spPr>
           <a:xfrm rot="16200000">
-            <a:off x="9985777" y="3296524"/>
-            <a:ext cx="2477882" cy="2130978"/>
+            <a:off x="9049023" y="4282417"/>
+            <a:ext cx="2324354" cy="347245"/>
           </a:xfrm>
           <a:prstGeom prst="rect">
             <a:avLst/>
@@ -4173,16 +4169,15 @@
           </p:cNvPicPr>
           <p:nvPr/>
         </p:nvPicPr>
-        <p:blipFill>
+        <p:blipFill rotWithShape="1">
           <a:blip r:embed="rId7"/>
-          <a:stretch>
-            <a:fillRect/>
-          </a:stretch>
+          <a:srcRect b="83348"/>
+          <a:stretch/>
         </p:blipFill>
         <p:spPr>
           <a:xfrm rot="16200000">
-            <a:off x="9999067" y="9070597"/>
-            <a:ext cx="2522268" cy="2101890"/>
+            <a:off x="8960849" y="9969830"/>
+            <a:ext cx="2522268" cy="350000"/>
           </a:xfrm>
           <a:prstGeom prst="rect">
             <a:avLst/>
@@ -4203,16 +4198,15 @@
           </p:cNvPicPr>
           <p:nvPr/>
         </p:nvPicPr>
-        <p:blipFill>
+        <p:blipFill rotWithShape="1">
           <a:blip r:embed="rId8"/>
-          <a:stretch>
-            <a:fillRect/>
-          </a:stretch>
+          <a:srcRect b="87119"/>
+          <a:stretch/>
         </p:blipFill>
         <p:spPr>
           <a:xfrm rot="16200000">
-            <a:off x="7599139" y="464917"/>
-            <a:ext cx="2511625" cy="2023982"/>
+            <a:off x="6717502" y="1346553"/>
+            <a:ext cx="2511625" cy="260707"/>
           </a:xfrm>
           <a:prstGeom prst="rect">
             <a:avLst/>
@@ -4233,16 +4227,15 @@
           </p:cNvPicPr>
           <p:nvPr/>
         </p:nvPicPr>
-        <p:blipFill>
+        <p:blipFill rotWithShape="1">
           <a:blip r:embed="rId9"/>
-          <a:stretch>
-            <a:fillRect/>
-          </a:stretch>
+          <a:srcRect b="87314"/>
+          <a:stretch/>
         </p:blipFill>
         <p:spPr>
           <a:xfrm rot="16200000">
-            <a:off x="9989557" y="423528"/>
-            <a:ext cx="2511628" cy="2072229"/>
+            <a:off x="8963235" y="1345460"/>
+            <a:ext cx="2511628" cy="262889"/>
           </a:xfrm>
           <a:prstGeom prst="rect">
             <a:avLst/>
@@ -4409,16 +4402,15 @@
           </p:cNvPicPr>
           <p:nvPr/>
         </p:nvPicPr>
-        <p:blipFill>
+        <p:blipFill rotWithShape="1">
           <a:blip r:embed="rId10"/>
-          <a:stretch>
-            <a:fillRect/>
-          </a:stretch>
+          <a:srcRect b="80765"/>
+          <a:stretch/>
         </p:blipFill>
         <p:spPr>
           <a:xfrm rot="16200000">
-            <a:off x="12704770" y="1953726"/>
-            <a:ext cx="3174250" cy="2690639"/>
+            <a:off x="11618230" y="3040268"/>
+            <a:ext cx="3174250" cy="517556"/>
           </a:xfrm>
           <a:prstGeom prst="rect">
             <a:avLst/>
@@ -4499,6 +4491,304 @@
           </a:p>
         </p:txBody>
       </p:sp>
+      <p:pic>
+        <p:nvPicPr>
+          <p:cNvPr id="3" name="Picture 2">
+            <a:extLst>
+              <a:ext uri="{FF2B5EF4-FFF2-40B4-BE49-F238E27FC236}">
+                <a16:creationId xmlns:a16="http://schemas.microsoft.com/office/drawing/2014/main" id="{F14F004A-EDA5-8295-F078-9D1485BBD5F7}"/>
+              </a:ext>
+            </a:extLst>
+          </p:cNvPr>
+          <p:cNvPicPr>
+            <a:picLocks noChangeAspect="1"/>
+          </p:cNvPicPr>
+          <p:nvPr/>
+        </p:nvPicPr>
+        <p:blipFill rotWithShape="1">
+          <a:blip r:embed="rId11"/>
+          <a:srcRect r="14795" b="18168"/>
+          <a:stretch/>
+        </p:blipFill>
+        <p:spPr>
+          <a:xfrm rot="16200000">
+            <a:off x="6853735" y="9813224"/>
+            <a:ext cx="2255637" cy="350002"/>
+          </a:xfrm>
+          <a:prstGeom prst="rect">
+            <a:avLst/>
+          </a:prstGeom>
+        </p:spPr>
+      </p:pic>
+      <p:pic>
+        <p:nvPicPr>
+          <p:cNvPr id="4" name="Picture 3">
+            <a:extLst>
+              <a:ext uri="{FF2B5EF4-FFF2-40B4-BE49-F238E27FC236}">
+                <a16:creationId xmlns:a16="http://schemas.microsoft.com/office/drawing/2014/main" id="{1D91372B-1569-9095-4036-7ECD0DF0A534}"/>
+              </a:ext>
+            </a:extLst>
+          </p:cNvPr>
+          <p:cNvPicPr>
+            <a:picLocks noChangeAspect="1"/>
+          </p:cNvPicPr>
+          <p:nvPr/>
+        </p:nvPicPr>
+        <p:blipFill>
+          <a:blip r:embed="rId12"/>
+          <a:stretch>
+            <a:fillRect/>
+          </a:stretch>
+        </p:blipFill>
+        <p:spPr>
+          <a:xfrm rot="16200000">
+            <a:off x="7750608" y="6327776"/>
+            <a:ext cx="2444666" cy="1738548"/>
+          </a:xfrm>
+          <a:prstGeom prst="rect">
+            <a:avLst/>
+          </a:prstGeom>
+        </p:spPr>
+      </p:pic>
+      <p:pic>
+        <p:nvPicPr>
+          <p:cNvPr id="5" name="Picture 4">
+            <a:extLst>
+              <a:ext uri="{FF2B5EF4-FFF2-40B4-BE49-F238E27FC236}">
+                <a16:creationId xmlns:a16="http://schemas.microsoft.com/office/drawing/2014/main" id="{F5C96022-7F96-6292-6FB9-E4B49AD5D347}"/>
+              </a:ext>
+            </a:extLst>
+          </p:cNvPr>
+          <p:cNvPicPr>
+            <a:picLocks noChangeAspect="1"/>
+          </p:cNvPicPr>
+          <p:nvPr/>
+        </p:nvPicPr>
+        <p:blipFill>
+          <a:blip r:embed="rId13"/>
+          <a:stretch>
+            <a:fillRect/>
+          </a:stretch>
+        </p:blipFill>
+        <p:spPr>
+          <a:xfrm rot="16200000">
+            <a:off x="7763552" y="3434824"/>
+            <a:ext cx="2537396" cy="1809175"/>
+          </a:xfrm>
+          <a:prstGeom prst="rect">
+            <a:avLst/>
+          </a:prstGeom>
+        </p:spPr>
+      </p:pic>
+      <p:pic>
+        <p:nvPicPr>
+          <p:cNvPr id="11" name="Picture 10">
+            <a:extLst>
+              <a:ext uri="{FF2B5EF4-FFF2-40B4-BE49-F238E27FC236}">
+                <a16:creationId xmlns:a16="http://schemas.microsoft.com/office/drawing/2014/main" id="{A1D31303-7570-EE6A-7479-63FFC018039A}"/>
+              </a:ext>
+            </a:extLst>
+          </p:cNvPr>
+          <p:cNvPicPr>
+            <a:picLocks noChangeAspect="1"/>
+          </p:cNvPicPr>
+          <p:nvPr/>
+        </p:nvPicPr>
+        <p:blipFill>
+          <a:blip r:embed="rId14"/>
+          <a:stretch>
+            <a:fillRect/>
+          </a:stretch>
+        </p:blipFill>
+        <p:spPr>
+          <a:xfrm rot="16200000">
+            <a:off x="10127476" y="6409923"/>
+            <a:ext cx="2509219" cy="1778965"/>
+          </a:xfrm>
+          <a:prstGeom prst="rect">
+            <a:avLst/>
+          </a:prstGeom>
+        </p:spPr>
+      </p:pic>
+      <p:pic>
+        <p:nvPicPr>
+          <p:cNvPr id="15" name="Picture 14">
+            <a:extLst>
+              <a:ext uri="{FF2B5EF4-FFF2-40B4-BE49-F238E27FC236}">
+                <a16:creationId xmlns:a16="http://schemas.microsoft.com/office/drawing/2014/main" id="{E305136B-7C39-4019-67A2-A77D62F16FF5}"/>
+              </a:ext>
+            </a:extLst>
+          </p:cNvPr>
+          <p:cNvPicPr>
+            <a:picLocks noChangeAspect="1"/>
+          </p:cNvPicPr>
+          <p:nvPr/>
+        </p:nvPicPr>
+        <p:blipFill>
+          <a:blip r:embed="rId15"/>
+          <a:stretch>
+            <a:fillRect/>
+          </a:stretch>
+        </p:blipFill>
+        <p:spPr>
+          <a:xfrm rot="16200000">
+            <a:off x="10035174" y="3491329"/>
+            <a:ext cx="2453390" cy="1794762"/>
+          </a:xfrm>
+          <a:prstGeom prst="rect">
+            <a:avLst/>
+          </a:prstGeom>
+        </p:spPr>
+      </p:pic>
+      <p:pic>
+        <p:nvPicPr>
+          <p:cNvPr id="16" name="Picture 15">
+            <a:extLst>
+              <a:ext uri="{FF2B5EF4-FFF2-40B4-BE49-F238E27FC236}">
+                <a16:creationId xmlns:a16="http://schemas.microsoft.com/office/drawing/2014/main" id="{353CAA2E-017A-EB4C-E7B6-D2095AB0338D}"/>
+              </a:ext>
+            </a:extLst>
+          </p:cNvPr>
+          <p:cNvPicPr>
+            <a:picLocks noChangeAspect="1"/>
+          </p:cNvPicPr>
+          <p:nvPr/>
+        </p:nvPicPr>
+        <p:blipFill>
+          <a:blip r:embed="rId16"/>
+          <a:stretch>
+            <a:fillRect/>
+          </a:stretch>
+        </p:blipFill>
+        <p:spPr>
+          <a:xfrm rot="16200000">
+            <a:off x="7761520" y="9229755"/>
+            <a:ext cx="2500217" cy="1761517"/>
+          </a:xfrm>
+          <a:prstGeom prst="rect">
+            <a:avLst/>
+          </a:prstGeom>
+        </p:spPr>
+      </p:pic>
+      <p:pic>
+        <p:nvPicPr>
+          <p:cNvPr id="17" name="Picture 16">
+            <a:extLst>
+              <a:ext uri="{FF2B5EF4-FFF2-40B4-BE49-F238E27FC236}">
+                <a16:creationId xmlns:a16="http://schemas.microsoft.com/office/drawing/2014/main" id="{57AF5A13-70F3-5724-1197-98D776FEBF56}"/>
+              </a:ext>
+            </a:extLst>
+          </p:cNvPr>
+          <p:cNvPicPr>
+            <a:picLocks noChangeAspect="1"/>
+          </p:cNvPicPr>
+          <p:nvPr/>
+        </p:nvPicPr>
+        <p:blipFill>
+          <a:blip r:embed="rId17"/>
+          <a:stretch>
+            <a:fillRect/>
+          </a:stretch>
+        </p:blipFill>
+        <p:spPr>
+          <a:xfrm rot="16200000">
+            <a:off x="10105798" y="9217868"/>
+            <a:ext cx="2522269" cy="1870447"/>
+          </a:xfrm>
+          <a:prstGeom prst="rect">
+            <a:avLst/>
+          </a:prstGeom>
+        </p:spPr>
+      </p:pic>
+      <p:pic>
+        <p:nvPicPr>
+          <p:cNvPr id="18" name="Picture 17">
+            <a:extLst>
+              <a:ext uri="{FF2B5EF4-FFF2-40B4-BE49-F238E27FC236}">
+                <a16:creationId xmlns:a16="http://schemas.microsoft.com/office/drawing/2014/main" id="{5C393CBB-5C67-7E73-36C6-C47D7BB82121}"/>
+              </a:ext>
+            </a:extLst>
+          </p:cNvPr>
+          <p:cNvPicPr>
+            <a:picLocks noChangeAspect="1"/>
+          </p:cNvPicPr>
+          <p:nvPr/>
+        </p:nvPicPr>
+        <p:blipFill rotWithShape="1">
+          <a:blip r:embed="rId18"/>
+          <a:srcRect r="1223"/>
+          <a:stretch/>
+        </p:blipFill>
+        <p:spPr>
+          <a:xfrm rot="16200000">
+            <a:off x="7684835" y="563516"/>
+            <a:ext cx="2588329" cy="1826775"/>
+          </a:xfrm>
+          <a:prstGeom prst="rect">
+            <a:avLst/>
+          </a:prstGeom>
+        </p:spPr>
+      </p:pic>
+      <p:pic>
+        <p:nvPicPr>
+          <p:cNvPr id="21" name="Picture 20">
+            <a:extLst>
+              <a:ext uri="{FF2B5EF4-FFF2-40B4-BE49-F238E27FC236}">
+                <a16:creationId xmlns:a16="http://schemas.microsoft.com/office/drawing/2014/main" id="{696E9A20-B34F-C2B3-D7AD-A28AC2769A78}"/>
+              </a:ext>
+            </a:extLst>
+          </p:cNvPr>
+          <p:cNvPicPr>
+            <a:picLocks noChangeAspect="1"/>
+          </p:cNvPicPr>
+          <p:nvPr/>
+        </p:nvPicPr>
+        <p:blipFill>
+          <a:blip r:embed="rId19"/>
+          <a:stretch>
+            <a:fillRect/>
+          </a:stretch>
+        </p:blipFill>
+        <p:spPr>
+          <a:xfrm rot="16200000">
+            <a:off x="10027974" y="563514"/>
+            <a:ext cx="2564795" cy="1826777"/>
+          </a:xfrm>
+          <a:prstGeom prst="rect">
+            <a:avLst/>
+          </a:prstGeom>
+        </p:spPr>
+      </p:pic>
+      <p:pic>
+        <p:nvPicPr>
+          <p:cNvPr id="23" name="Picture 22">
+            <a:extLst>
+              <a:ext uri="{FF2B5EF4-FFF2-40B4-BE49-F238E27FC236}">
+                <a16:creationId xmlns:a16="http://schemas.microsoft.com/office/drawing/2014/main" id="{022A78CB-D266-414A-1452-9390FA31C64D}"/>
+              </a:ext>
+            </a:extLst>
+          </p:cNvPr>
+          <p:cNvPicPr>
+            <a:picLocks noChangeAspect="1"/>
+          </p:cNvPicPr>
+          <p:nvPr/>
+        </p:nvPicPr>
+        <p:blipFill>
+          <a:blip r:embed="rId20"/>
+          <a:stretch>
+            <a:fillRect/>
+          </a:stretch>
+        </p:blipFill>
+        <p:spPr>
+          <a:xfrm rot="16200000">
+            <a:off x="12975103" y="2200951"/>
+            <a:ext cx="3174251" cy="2196191"/>
+          </a:xfrm>
+          <a:prstGeom prst="rect">
+            <a:avLst/>
+          </a:prstGeom>
+        </p:spPr>
+      </p:pic>
     </p:spTree>
     <p:extLst>
       <p:ext uri="{BB962C8B-B14F-4D97-AF65-F5344CB8AC3E}">
